--- a/figures/COBP_lifecyclediagram_new.pptx
+++ b/figures/COBP_lifecyclediagram_new.pptx
@@ -104,6 +104,11 @@
       </a:defRPr>
     </a:lvl9pPr>
   </p:defaultTextStyle>
+  <p:extLst>
+    <p:ext uri="{EFAFB233-063F-42B5-8137-9DF3F51BA10A}">
+      <p15:sldGuideLst xmlns:p15="http://schemas.microsoft.com/office/powerpoint/2012/main"/>
+    </p:ext>
+  </p:extLst>
 </p:presentation>
 </file>
 
@@ -254,7 +259,7 @@
           <a:p>
             <a:fld id="{C51EEF01-A116-ED4D-9756-9B8CC0438956}" type="datetimeFigureOut">
               <a:rPr lang="en-US" smtClean="0"/>
-              <a:t>10/10/23</a:t>
+              <a:t>2/1/24</a:t>
             </a:fld>
             <a:endParaRPr lang="en-US"/>
           </a:p>
@@ -452,7 +457,7 @@
           <a:p>
             <a:fld id="{C51EEF01-A116-ED4D-9756-9B8CC0438956}" type="datetimeFigureOut">
               <a:rPr lang="en-US" smtClean="0"/>
-              <a:t>10/10/23</a:t>
+              <a:t>2/1/24</a:t>
             </a:fld>
             <a:endParaRPr lang="en-US"/>
           </a:p>
@@ -660,7 +665,7 @@
           <a:p>
             <a:fld id="{C51EEF01-A116-ED4D-9756-9B8CC0438956}" type="datetimeFigureOut">
               <a:rPr lang="en-US" smtClean="0"/>
-              <a:t>10/10/23</a:t>
+              <a:t>2/1/24</a:t>
             </a:fld>
             <a:endParaRPr lang="en-US"/>
           </a:p>
@@ -858,7 +863,7 @@
           <a:p>
             <a:fld id="{C51EEF01-A116-ED4D-9756-9B8CC0438956}" type="datetimeFigureOut">
               <a:rPr lang="en-US" smtClean="0"/>
-              <a:t>10/10/23</a:t>
+              <a:t>2/1/24</a:t>
             </a:fld>
             <a:endParaRPr lang="en-US"/>
           </a:p>
@@ -1133,7 +1138,7 @@
           <a:p>
             <a:fld id="{C51EEF01-A116-ED4D-9756-9B8CC0438956}" type="datetimeFigureOut">
               <a:rPr lang="en-US" smtClean="0"/>
-              <a:t>10/10/23</a:t>
+              <a:t>2/1/24</a:t>
             </a:fld>
             <a:endParaRPr lang="en-US"/>
           </a:p>
@@ -1398,7 +1403,7 @@
           <a:p>
             <a:fld id="{C51EEF01-A116-ED4D-9756-9B8CC0438956}" type="datetimeFigureOut">
               <a:rPr lang="en-US" smtClean="0"/>
-              <a:t>10/10/23</a:t>
+              <a:t>2/1/24</a:t>
             </a:fld>
             <a:endParaRPr lang="en-US"/>
           </a:p>
@@ -1810,7 +1815,7 @@
           <a:p>
             <a:fld id="{C51EEF01-A116-ED4D-9756-9B8CC0438956}" type="datetimeFigureOut">
               <a:rPr lang="en-US" smtClean="0"/>
-              <a:t>10/10/23</a:t>
+              <a:t>2/1/24</a:t>
             </a:fld>
             <a:endParaRPr lang="en-US"/>
           </a:p>
@@ -1951,7 +1956,7 @@
           <a:p>
             <a:fld id="{C51EEF01-A116-ED4D-9756-9B8CC0438956}" type="datetimeFigureOut">
               <a:rPr lang="en-US" smtClean="0"/>
-              <a:t>10/10/23</a:t>
+              <a:t>2/1/24</a:t>
             </a:fld>
             <a:endParaRPr lang="en-US"/>
           </a:p>
@@ -2064,7 +2069,7 @@
           <a:p>
             <a:fld id="{C51EEF01-A116-ED4D-9756-9B8CC0438956}" type="datetimeFigureOut">
               <a:rPr lang="en-US" smtClean="0"/>
-              <a:t>10/10/23</a:t>
+              <a:t>2/1/24</a:t>
             </a:fld>
             <a:endParaRPr lang="en-US"/>
           </a:p>
@@ -2375,7 +2380,7 @@
           <a:p>
             <a:fld id="{C51EEF01-A116-ED4D-9756-9B8CC0438956}" type="datetimeFigureOut">
               <a:rPr lang="en-US" smtClean="0"/>
-              <a:t>10/10/23</a:t>
+              <a:t>2/1/24</a:t>
             </a:fld>
             <a:endParaRPr lang="en-US"/>
           </a:p>
@@ -2663,7 +2668,7 @@
           <a:p>
             <a:fld id="{C51EEF01-A116-ED4D-9756-9B8CC0438956}" type="datetimeFigureOut">
               <a:rPr lang="en-US" smtClean="0"/>
-              <a:t>10/10/23</a:t>
+              <a:t>2/1/24</a:t>
             </a:fld>
             <a:endParaRPr lang="en-US"/>
           </a:p>
@@ -2904,7 +2909,7 @@
           <a:p>
             <a:fld id="{C51EEF01-A116-ED4D-9756-9B8CC0438956}" type="datetimeFigureOut">
               <a:rPr lang="en-US" smtClean="0"/>
-              <a:t>10/10/23</a:t>
+              <a:t>2/1/24</a:t>
             </a:fld>
             <a:endParaRPr lang="en-US"/>
           </a:p>
@@ -3923,13 +3928,8 @@
             </a:r>
             <a:r>
               <a:rPr lang="en-US" sz="1588" dirty="0"/>
-              <a:t>(1-germ.rt)*</a:t>
-            </a:r>
-            <a:r>
-              <a:rPr lang="en-US" sz="1588" dirty="0" err="1"/>
-              <a:t>decay.rt</a:t>
-            </a:r>
-            <a:endParaRPr lang="en-US" sz="1588" dirty="0"/>
+              <a:t>(1-germ.rt)*(1-death.rt)</a:t>
+            </a:r>
           </a:p>
         </p:txBody>
       </p:sp>
@@ -4458,8 +4458,8 @@
           </a:fontRef>
         </p:style>
       </p:cxnSp>
-      <mc:AlternateContent xmlns:mc="http://schemas.openxmlformats.org/markup-compatibility/2006">
-        <mc:Choice xmlns:a14="http://schemas.microsoft.com/office/drawing/2010/main" Requires="a14">
+      <mc:AlternateContent xmlns:mc="http://schemas.openxmlformats.org/markup-compatibility/2006" xmlns:a14="http://schemas.microsoft.com/office/drawing/2010/main">
+        <mc:Choice Requires="a14">
           <p:sp>
             <p:nvSpPr>
               <p:cNvPr id="64" name="TextBox 63">
@@ -4541,7 +4541,7 @@
             </p:txBody>
           </p:sp>
         </mc:Choice>
-        <mc:Fallback>
+        <mc:Fallback xmlns="">
           <p:sp>
             <p:nvSpPr>
               <p:cNvPr id="64" name="TextBox 63">
@@ -4602,8 +4602,8 @@
             </p:nvSpPr>
             <p:spPr>
               <a:xfrm>
-                <a:off x="3166211" y="5333435"/>
-                <a:ext cx="3528334" cy="581057"/>
+                <a:off x="3166210" y="5333435"/>
+                <a:ext cx="3668325" cy="581057"/>
               </a:xfrm>
               <a:prstGeom prst="rect">
                 <a:avLst/>
@@ -4655,15 +4655,7 @@
                 </a:r>
                 <a:r>
                   <a:rPr lang="en-US" sz="1588" dirty="0"/>
-                  <a:t> * </a:t>
-                </a:r>
-                <a:r>
-                  <a:rPr lang="en-US" sz="1588" dirty="0" err="1"/>
-                  <a:t>decay.rt</a:t>
-                </a:r>
-                <a:r>
-                  <a:rPr lang="en-US" sz="1588" dirty="0"/>
-                  <a:t>)</a:t>
+                  <a:t> *(1-death.rt)</a:t>
                 </a:r>
               </a:p>
             </p:txBody>
@@ -4686,8 +4678,8 @@
             </p:nvSpPr>
             <p:spPr>
               <a:xfrm>
-                <a:off x="3166211" y="5333435"/>
-                <a:ext cx="3528334" cy="581057"/>
+                <a:off x="3166210" y="5333435"/>
+                <a:ext cx="3668325" cy="581057"/>
               </a:xfrm>
               <a:prstGeom prst="rect">
                 <a:avLst/>
@@ -4695,7 +4687,7 @@
               <a:blipFill>
                 <a:blip r:embed="rId6"/>
                 <a:stretch>
-                  <a:fillRect l="-1075" t="-4348" b="-13043"/>
+                  <a:fillRect l="-1034" t="-4348" b="-13043"/>
                 </a:stretch>
               </a:blipFill>
             </p:spPr>

--- a/figures/COBP_lifecyclediagram_new.pptx
+++ b/figures/COBP_lifecyclediagram_new.pptx
@@ -259,7 +259,7 @@
           <a:p>
             <a:fld id="{C51EEF01-A116-ED4D-9756-9B8CC0438956}" type="datetimeFigureOut">
               <a:rPr lang="en-US" smtClean="0"/>
-              <a:t>2/1/24</a:t>
+              <a:t>6/14/24</a:t>
             </a:fld>
             <a:endParaRPr lang="en-US"/>
           </a:p>
@@ -457,7 +457,7 @@
           <a:p>
             <a:fld id="{C51EEF01-A116-ED4D-9756-9B8CC0438956}" type="datetimeFigureOut">
               <a:rPr lang="en-US" smtClean="0"/>
-              <a:t>2/1/24</a:t>
+              <a:t>6/14/24</a:t>
             </a:fld>
             <a:endParaRPr lang="en-US"/>
           </a:p>
@@ -665,7 +665,7 @@
           <a:p>
             <a:fld id="{C51EEF01-A116-ED4D-9756-9B8CC0438956}" type="datetimeFigureOut">
               <a:rPr lang="en-US" smtClean="0"/>
-              <a:t>2/1/24</a:t>
+              <a:t>6/14/24</a:t>
             </a:fld>
             <a:endParaRPr lang="en-US"/>
           </a:p>
@@ -863,7 +863,7 @@
           <a:p>
             <a:fld id="{C51EEF01-A116-ED4D-9756-9B8CC0438956}" type="datetimeFigureOut">
               <a:rPr lang="en-US" smtClean="0"/>
-              <a:t>2/1/24</a:t>
+              <a:t>6/14/24</a:t>
             </a:fld>
             <a:endParaRPr lang="en-US"/>
           </a:p>
@@ -1138,7 +1138,7 @@
           <a:p>
             <a:fld id="{C51EEF01-A116-ED4D-9756-9B8CC0438956}" type="datetimeFigureOut">
               <a:rPr lang="en-US" smtClean="0"/>
-              <a:t>2/1/24</a:t>
+              <a:t>6/14/24</a:t>
             </a:fld>
             <a:endParaRPr lang="en-US"/>
           </a:p>
@@ -1403,7 +1403,7 @@
           <a:p>
             <a:fld id="{C51EEF01-A116-ED4D-9756-9B8CC0438956}" type="datetimeFigureOut">
               <a:rPr lang="en-US" smtClean="0"/>
-              <a:t>2/1/24</a:t>
+              <a:t>6/14/24</a:t>
             </a:fld>
             <a:endParaRPr lang="en-US"/>
           </a:p>
@@ -1815,7 +1815,7 @@
           <a:p>
             <a:fld id="{C51EEF01-A116-ED4D-9756-9B8CC0438956}" type="datetimeFigureOut">
               <a:rPr lang="en-US" smtClean="0"/>
-              <a:t>2/1/24</a:t>
+              <a:t>6/14/24</a:t>
             </a:fld>
             <a:endParaRPr lang="en-US"/>
           </a:p>
@@ -1956,7 +1956,7 @@
           <a:p>
             <a:fld id="{C51EEF01-A116-ED4D-9756-9B8CC0438956}" type="datetimeFigureOut">
               <a:rPr lang="en-US" smtClean="0"/>
-              <a:t>2/1/24</a:t>
+              <a:t>6/14/24</a:t>
             </a:fld>
             <a:endParaRPr lang="en-US"/>
           </a:p>
@@ -2069,7 +2069,7 @@
           <a:p>
             <a:fld id="{C51EEF01-A116-ED4D-9756-9B8CC0438956}" type="datetimeFigureOut">
               <a:rPr lang="en-US" smtClean="0"/>
-              <a:t>2/1/24</a:t>
+              <a:t>6/14/24</a:t>
             </a:fld>
             <a:endParaRPr lang="en-US"/>
           </a:p>
@@ -2380,7 +2380,7 @@
           <a:p>
             <a:fld id="{C51EEF01-A116-ED4D-9756-9B8CC0438956}" type="datetimeFigureOut">
               <a:rPr lang="en-US" smtClean="0"/>
-              <a:t>2/1/24</a:t>
+              <a:t>6/14/24</a:t>
             </a:fld>
             <a:endParaRPr lang="en-US"/>
           </a:p>
@@ -2668,7 +2668,7 @@
           <a:p>
             <a:fld id="{C51EEF01-A116-ED4D-9756-9B8CC0438956}" type="datetimeFigureOut">
               <a:rPr lang="en-US" smtClean="0"/>
-              <a:t>2/1/24</a:t>
+              <a:t>6/14/24</a:t>
             </a:fld>
             <a:endParaRPr lang="en-US"/>
           </a:p>
@@ -2909,7 +2909,7 @@
           <a:p>
             <a:fld id="{C51EEF01-A116-ED4D-9756-9B8CC0438956}" type="datetimeFigureOut">
               <a:rPr lang="en-US" smtClean="0"/>
-              <a:t>2/1/24</a:t>
+              <a:t>6/14/24</a:t>
             </a:fld>
             <a:endParaRPr lang="en-US"/>
           </a:p>
@@ -3405,7 +3405,7 @@
         </p:blipFill>
         <p:spPr>
           <a:xfrm>
-            <a:off x="2193168" y="3210728"/>
+            <a:off x="2411649" y="3108017"/>
             <a:ext cx="1505071" cy="2123822"/>
           </a:xfrm>
           <a:prstGeom prst="rect">
@@ -3485,8 +3485,8 @@
         </p:nvSpPr>
         <p:spPr>
           <a:xfrm>
-            <a:off x="952011" y="6026015"/>
-            <a:ext cx="1323153" cy="581057"/>
+            <a:off x="1598032" y="5833444"/>
+            <a:ext cx="571890" cy="369332"/>
           </a:xfrm>
           <a:prstGeom prst="rect">
             <a:avLst/>
@@ -3504,17 +3504,10 @@
           <a:lstStyle/>
           <a:p>
             <a:r>
-              <a:rPr lang="en-US" sz="1588" b="1" dirty="0"/>
-              <a:t>B(t): </a:t>
-            </a:r>
-            <a:r>
-              <a:rPr lang="en-US" sz="1588" dirty="0"/>
-              <a:t>size of seedbank in </a:t>
-            </a:r>
-            <a:r>
-              <a:rPr lang="en-US" sz="1588" i="1" dirty="0"/>
-              <a:t>t</a:t>
-            </a:r>
+              <a:rPr lang="en-US" b="1" dirty="0"/>
+              <a:t>B(t)</a:t>
+            </a:r>
+            <a:endParaRPr lang="en-US" i="1" dirty="0"/>
           </a:p>
         </p:txBody>
       </p:sp>
@@ -3532,8 +3525,8 @@
         </p:nvSpPr>
         <p:spPr>
           <a:xfrm>
-            <a:off x="9683773" y="6114169"/>
-            <a:ext cx="1551244" cy="581057"/>
+            <a:off x="9681904" y="5789325"/>
+            <a:ext cx="1551244" cy="369332"/>
           </a:xfrm>
           <a:prstGeom prst="rect">
             <a:avLst/>
@@ -3551,25 +3544,10 @@
           <a:lstStyle/>
           <a:p>
             <a:r>
-              <a:rPr lang="en-US" sz="1588" b="1" dirty="0"/>
-              <a:t>B(t+1): </a:t>
-            </a:r>
-            <a:r>
-              <a:rPr lang="en-US" sz="1588" dirty="0"/>
-              <a:t>size of</a:t>
-            </a:r>
-            <a:r>
-              <a:rPr lang="en-US" sz="1588" b="1" dirty="0"/>
-              <a:t> </a:t>
-            </a:r>
-            <a:r>
-              <a:rPr lang="en-US" sz="1588" dirty="0"/>
-              <a:t>seedbank in </a:t>
-            </a:r>
-            <a:r>
-              <a:rPr lang="en-US" sz="1588" i="1" dirty="0"/>
-              <a:t>t+1</a:t>
-            </a:r>
+              <a:rPr lang="en-US" b="1" dirty="0"/>
+              <a:t>B(t+1)</a:t>
+            </a:r>
+            <a:endParaRPr lang="en-US" i="1" dirty="0"/>
           </a:p>
         </p:txBody>
       </p:sp>
@@ -3587,8 +3565,8 @@
         </p:nvSpPr>
         <p:spPr>
           <a:xfrm>
-            <a:off x="1077043" y="1199912"/>
-            <a:ext cx="2051390" cy="581057"/>
+            <a:off x="1459540" y="1639788"/>
+            <a:ext cx="742461" cy="369332"/>
           </a:xfrm>
           <a:prstGeom prst="rect">
             <a:avLst/>
@@ -3606,25 +3584,18 @@
           <a:lstStyle/>
           <a:p>
             <a:r>
-              <a:rPr lang="en-US" sz="1588" b="1" dirty="0"/>
+              <a:rPr lang="en-US" b="1" dirty="0"/>
               <a:t>n(</a:t>
             </a:r>
             <a:r>
-              <a:rPr lang="en-US" sz="1588" b="1" dirty="0" err="1"/>
+              <a:rPr lang="en-US" b="1" dirty="0" err="1"/>
               <a:t>z,t</a:t>
             </a:r>
             <a:r>
-              <a:rPr lang="en-US" sz="1588" b="1" dirty="0"/>
-              <a:t>): </a:t>
-            </a:r>
-            <a:r>
-              <a:rPr lang="en-US" sz="1588" dirty="0"/>
-              <a:t>size distribution of non-seedlings in </a:t>
-            </a:r>
-            <a:r>
-              <a:rPr lang="en-US" sz="1588" i="1" dirty="0"/>
-              <a:t>t</a:t>
-            </a:r>
+              <a:rPr lang="en-US" b="1" dirty="0"/>
+              <a:t>)</a:t>
+            </a:r>
+            <a:endParaRPr lang="en-US" i="1" dirty="0"/>
           </a:p>
         </p:txBody>
       </p:sp>
@@ -3641,9 +3612,9 @@
           <p:nvPr/>
         </p:nvSpPr>
         <p:spPr>
-          <a:xfrm>
-            <a:off x="2122213" y="6036283"/>
-            <a:ext cx="7303876" cy="580481"/>
+          <a:xfrm rot="21365383">
+            <a:off x="2127073" y="5792899"/>
+            <a:ext cx="7648774" cy="541547"/>
           </a:xfrm>
           <a:custGeom>
             <a:avLst/>
@@ -3821,7 +3792,7 @@
         <p:spPr>
           <a:xfrm>
             <a:off x="9687035" y="1530858"/>
-            <a:ext cx="1599595" cy="1069780"/>
+            <a:ext cx="1045425" cy="369332"/>
           </a:xfrm>
           <a:prstGeom prst="rect">
             <a:avLst/>
@@ -3839,17 +3810,10 @@
           <a:lstStyle/>
           <a:p>
             <a:r>
-              <a:rPr lang="en-US" sz="1588" b="1" dirty="0"/>
-              <a:t>n(z’,t+1): </a:t>
-            </a:r>
-            <a:r>
-              <a:rPr lang="en-US" sz="1588" dirty="0"/>
-              <a:t>size distribution of non-seedlings in t</a:t>
-            </a:r>
-            <a:r>
-              <a:rPr lang="en-US" sz="1588" i="1" dirty="0"/>
-              <a:t>+1</a:t>
-            </a:r>
+              <a:rPr lang="en-US" b="1" dirty="0"/>
+              <a:t>n(z’,t+1)</a:t>
+            </a:r>
+            <a:endParaRPr lang="en-US" i="1" dirty="0"/>
           </a:p>
         </p:txBody>
       </p:sp>
@@ -3896,8 +3860,8 @@
         </p:nvSpPr>
         <p:spPr>
           <a:xfrm>
-            <a:off x="4835408" y="6044770"/>
-            <a:ext cx="3419401" cy="581057"/>
+            <a:off x="6020134" y="6029967"/>
+            <a:ext cx="926722" cy="369332"/>
           </a:xfrm>
           <a:prstGeom prst="rect">
             <a:avLst/>
@@ -3915,21 +3879,10 @@
           <a:lstStyle/>
           <a:p>
             <a:r>
-              <a:rPr lang="en-US" sz="1588" dirty="0" err="1"/>
+              <a:rPr lang="en-US" dirty="0" err="1"/>
               <a:t>staySB</a:t>
             </a:r>
-            <a:r>
-              <a:rPr lang="en-US" sz="1588" dirty="0"/>
-              <a:t>: seeds that stay in the seedbank to </a:t>
-            </a:r>
-            <a:r>
-              <a:rPr lang="en-US" sz="1588" i="1" dirty="0"/>
-              <a:t>t+1; </a:t>
-            </a:r>
-            <a:r>
-              <a:rPr lang="en-US" sz="1588" dirty="0"/>
-              <a:t>(1-germ.rt)*(1-death.rt)</a:t>
-            </a:r>
+            <a:endParaRPr lang="en-US" dirty="0"/>
           </a:p>
         </p:txBody>
       </p:sp>
@@ -4046,8 +3999,8 @@
         </p:nvCxnSpPr>
         <p:spPr>
           <a:xfrm flipV="1">
-            <a:off x="2102739" y="3198056"/>
-            <a:ext cx="8283910" cy="2657508"/>
+            <a:off x="2202001" y="3198060"/>
+            <a:ext cx="8184645" cy="2350343"/>
           </a:xfrm>
           <a:prstGeom prst="curvedConnector2">
             <a:avLst/>
@@ -4088,8 +4041,8 @@
         </p:nvSpPr>
         <p:spPr>
           <a:xfrm>
-            <a:off x="3884879" y="1168948"/>
-            <a:ext cx="1543791" cy="1314142"/>
+            <a:off x="3841865" y="1735045"/>
+            <a:ext cx="1000987" cy="369332"/>
           </a:xfrm>
           <a:prstGeom prst="rect">
             <a:avLst/>
@@ -4107,30 +4060,18 @@
           <a:lstStyle/>
           <a:p>
             <a:r>
-              <a:rPr lang="en-US" sz="1588" b="1" dirty="0"/>
+              <a:rPr lang="en-US" b="1" dirty="0"/>
               <a:t>(1-p</a:t>
             </a:r>
             <a:r>
-              <a:rPr lang="en-US" sz="1588" b="1" baseline="-25000" dirty="0"/>
+              <a:rPr lang="en-US" b="1" baseline="-25000" dirty="0"/>
               <a:t>b</a:t>
             </a:r>
             <a:r>
-              <a:rPr lang="en-US" sz="1588" b="1" dirty="0"/>
-              <a:t>(z)): </a:t>
-            </a:r>
-            <a:r>
-              <a:rPr lang="en-US" sz="1588" dirty="0"/>
-              <a:t>probability of not flowering according to </a:t>
-            </a:r>
-            <a:r>
-              <a:rPr lang="en-US" sz="1588" dirty="0" err="1"/>
-              <a:t>size</a:t>
-            </a:r>
-            <a:r>
-              <a:rPr lang="en-US" sz="1588" i="1" baseline="-25000" dirty="0" err="1"/>
-              <a:t>t</a:t>
-            </a:r>
-            <a:endParaRPr lang="en-US" sz="1588" dirty="0"/>
+              <a:rPr lang="en-US" b="1" dirty="0"/>
+              <a:t>(z))</a:t>
+            </a:r>
+            <a:endParaRPr lang="en-US" dirty="0"/>
           </a:p>
         </p:txBody>
       </p:sp>
@@ -4151,7 +4092,7 @@
         <p:spPr>
           <a:xfrm>
             <a:off x="2503509" y="2749102"/>
-            <a:ext cx="181191" cy="1403420"/>
+            <a:ext cx="263652" cy="1495152"/>
           </a:xfrm>
           <a:prstGeom prst="straightConnector1">
             <a:avLst/>
@@ -4195,8 +4136,8 @@
         </p:nvSpPr>
         <p:spPr>
           <a:xfrm>
-            <a:off x="1243869" y="3098142"/>
-            <a:ext cx="1732691" cy="825419"/>
+            <a:off x="2174710" y="3153914"/>
+            <a:ext cx="770993" cy="369332"/>
           </a:xfrm>
           <a:prstGeom prst="rect">
             <a:avLst/>
@@ -4214,30 +4155,18 @@
           <a:lstStyle/>
           <a:p>
             <a:r>
-              <a:rPr lang="en-US" sz="1588" b="1" dirty="0"/>
+              <a:rPr lang="en-US" b="1" dirty="0"/>
               <a:t>P</a:t>
             </a:r>
             <a:r>
-              <a:rPr lang="en-US" sz="1588" b="1" baseline="-25000" dirty="0"/>
+              <a:rPr lang="en-US" b="1" baseline="-25000" dirty="0"/>
               <a:t>b</a:t>
             </a:r>
             <a:r>
-              <a:rPr lang="en-US" sz="1588" b="1" dirty="0"/>
-              <a:t>(z): </a:t>
-            </a:r>
-            <a:r>
-              <a:rPr lang="en-US" sz="1588" dirty="0"/>
-              <a:t>probability of flowering according to </a:t>
-            </a:r>
-            <a:r>
-              <a:rPr lang="en-US" sz="1588" dirty="0" err="1"/>
-              <a:t>size</a:t>
-            </a:r>
-            <a:r>
-              <a:rPr lang="en-US" sz="1588" i="1" baseline="-25000" dirty="0" err="1"/>
-              <a:t>t</a:t>
-            </a:r>
-            <a:endParaRPr lang="en-US" sz="1588" dirty="0"/>
+              <a:rPr lang="en-US" b="1" dirty="0"/>
+              <a:t>(z)</a:t>
+            </a:r>
+            <a:endParaRPr lang="en-US" dirty="0"/>
           </a:p>
         </p:txBody>
       </p:sp>
@@ -4255,8 +4184,8 @@
         </p:nvSpPr>
         <p:spPr>
           <a:xfrm>
-            <a:off x="6145108" y="2046833"/>
-            <a:ext cx="1760481" cy="825419"/>
+            <a:off x="6527840" y="1877685"/>
+            <a:ext cx="555206" cy="369332"/>
           </a:xfrm>
           <a:prstGeom prst="rect">
             <a:avLst/>
@@ -4274,30 +4203,10 @@
           <a:lstStyle/>
           <a:p>
             <a:r>
-              <a:rPr lang="en-US" sz="1588" b="1" dirty="0"/>
-              <a:t>s(z): </a:t>
-            </a:r>
-            <a:r>
-              <a:rPr lang="en-US" sz="1588" dirty="0"/>
-              <a:t>probability survival to </a:t>
-            </a:r>
-            <a:r>
-              <a:rPr lang="en-US" sz="1588" i="1" dirty="0"/>
-              <a:t>t+1 </a:t>
-            </a:r>
-            <a:r>
-              <a:rPr lang="en-US" sz="1588" dirty="0"/>
-              <a:t>according to </a:t>
-            </a:r>
-            <a:r>
-              <a:rPr lang="en-US" sz="1588" dirty="0" err="1"/>
-              <a:t>size</a:t>
-            </a:r>
-            <a:r>
-              <a:rPr lang="en-US" sz="1588" i="1" baseline="-25000" dirty="0" err="1"/>
-              <a:t>t</a:t>
-            </a:r>
-            <a:endParaRPr lang="en-US" sz="1588" dirty="0"/>
+              <a:rPr lang="en-US" b="1" dirty="0"/>
+              <a:t>s(z)</a:t>
+            </a:r>
+            <a:endParaRPr lang="en-US" dirty="0"/>
           </a:p>
         </p:txBody>
       </p:sp>
@@ -4362,8 +4271,8 @@
         </p:nvSpPr>
         <p:spPr>
           <a:xfrm>
-            <a:off x="7596310" y="848897"/>
-            <a:ext cx="1712622" cy="1069780"/>
+            <a:off x="7811384" y="1802617"/>
+            <a:ext cx="804740" cy="369332"/>
           </a:xfrm>
           <a:prstGeom prst="rect">
             <a:avLst/>
@@ -4381,33 +4290,18 @@
           <a:lstStyle/>
           <a:p>
             <a:r>
-              <a:rPr lang="en-US" sz="1588" b="1" dirty="0"/>
+              <a:rPr lang="en-US" b="1" dirty="0"/>
               <a:t>G(</a:t>
             </a:r>
             <a:r>
-              <a:rPr lang="en-US" sz="1588" b="1" dirty="0" err="1"/>
+              <a:rPr lang="en-US" b="1" dirty="0" err="1"/>
               <a:t>z’,z</a:t>
             </a:r>
             <a:r>
-              <a:rPr lang="en-US" sz="1588" b="1" dirty="0"/>
-              <a:t>) </a:t>
-            </a:r>
-            <a:r>
-              <a:rPr lang="en-US" sz="1588" dirty="0"/>
-              <a:t>probability  of growing to size z’ in </a:t>
-            </a:r>
-            <a:r>
-              <a:rPr lang="en-US" sz="1588" i="1" dirty="0"/>
-              <a:t>t+1 </a:t>
-            </a:r>
-            <a:r>
-              <a:rPr lang="en-US" sz="1588" dirty="0"/>
-              <a:t>according to size z in </a:t>
-            </a:r>
-            <a:r>
-              <a:rPr lang="en-US" sz="1588" i="1" dirty="0"/>
-              <a:t>t</a:t>
-            </a:r>
+              <a:rPr lang="en-US" b="1" dirty="0"/>
+              <a:t>)</a:t>
+            </a:r>
+            <a:endParaRPr lang="en-US" i="1" dirty="0"/>
           </a:p>
         </p:txBody>
       </p:sp>
@@ -4428,7 +4322,7 @@
         <p:spPr>
           <a:xfrm>
             <a:off x="6295277" y="4525586"/>
-            <a:ext cx="3244870" cy="1431840"/>
+            <a:ext cx="3475710" cy="890759"/>
           </a:xfrm>
           <a:prstGeom prst="straightConnector1">
             <a:avLst/>
@@ -4458,254 +4352,90 @@
           </a:fontRef>
         </p:style>
       </p:cxnSp>
-      <mc:AlternateContent xmlns:mc="http://schemas.openxmlformats.org/markup-compatibility/2006" xmlns:a14="http://schemas.microsoft.com/office/drawing/2010/main">
-        <mc:Choice Requires="a14">
-          <p:sp>
-            <p:nvSpPr>
-              <p:cNvPr id="64" name="TextBox 63">
-                <a:extLst>
-                  <a:ext uri="{FF2B5EF4-FFF2-40B4-BE49-F238E27FC236}">
-                    <a16:creationId xmlns:a16="http://schemas.microsoft.com/office/drawing/2014/main" id="{60EB5854-2749-1D4B-92D3-D5970F54624F}"/>
-                  </a:ext>
-                </a:extLst>
-              </p:cNvPr>
-              <p:cNvSpPr txBox="1"/>
-              <p:nvPr/>
-            </p:nvSpPr>
-            <p:spPr>
-              <a:xfrm>
-                <a:off x="7272157" y="5165431"/>
-                <a:ext cx="3654408" cy="581057"/>
-              </a:xfrm>
-              <a:prstGeom prst="rect">
-                <a:avLst/>
-              </a:prstGeom>
-              <a:solidFill>
-                <a:schemeClr val="bg1">
-                  <a:alpha val="65000"/>
-                </a:schemeClr>
-              </a:solidFill>
-            </p:spPr>
-            <p:txBody>
-              <a:bodyPr wrap="square" rtlCol="0">
-                <a:spAutoFit/>
-              </a:bodyPr>
-              <a:lstStyle/>
-              <a:p>
-                <a:r>
-                  <a:rPr lang="en-US" sz="1588" dirty="0" err="1">
-                    <a:ea typeface="Cambria Math" panose="02040503050406030204" pitchFamily="18" charset="0"/>
-                  </a:rPr>
-                  <a:t>goSB</a:t>
-                </a:r>
-                <a14:m>
-                  <m:oMath xmlns:m="http://schemas.openxmlformats.org/officeDocument/2006/math">
-                    <m:r>
-                      <a:rPr lang="en-US" sz="1588" b="0">
-                        <a:latin typeface="Cambria Math" panose="02040503050406030204" pitchFamily="18" charset="0"/>
-                        <a:ea typeface="Cambria Math" panose="02040503050406030204" pitchFamily="18" charset="0"/>
-                      </a:rPr>
-                      <m:t>:</m:t>
-                    </m:r>
-                  </m:oMath>
-                </a14:m>
-                <a:r>
-                  <a:rPr lang="en-US" sz="1588" dirty="0"/>
-                  <a:t> fraction of seeds that go to the seedbank in </a:t>
-                </a:r>
-                <a:r>
-                  <a:rPr lang="en-US" sz="1588" i="1" dirty="0"/>
-                  <a:t>t</a:t>
-                </a:r>
-                <a:r>
-                  <a:rPr lang="en-US" sz="1588" dirty="0"/>
-                  <a:t> + 1;</a:t>
-                </a:r>
-                <a:r>
-                  <a:rPr lang="en-US" sz="1588" b="1" i="1" dirty="0"/>
-                  <a:t> </a:t>
-                </a:r>
-                <a:r>
-                  <a:rPr lang="en-US" sz="1588" dirty="0"/>
-                  <a:t>(</a:t>
-                </a:r>
-                <a:r>
-                  <a:rPr lang="en-US" sz="1588" dirty="0" err="1"/>
-                  <a:t>viab.rt</a:t>
-                </a:r>
-                <a:r>
-                  <a:rPr lang="en-US" sz="1588" dirty="0"/>
-                  <a:t> * (1-germ.rt))</a:t>
-                </a:r>
-              </a:p>
-            </p:txBody>
-          </p:sp>
-        </mc:Choice>
-        <mc:Fallback xmlns="">
-          <p:sp>
-            <p:nvSpPr>
-              <p:cNvPr id="64" name="TextBox 63">
-                <a:extLst>
-                  <a:ext uri="{FF2B5EF4-FFF2-40B4-BE49-F238E27FC236}">
-                    <a16:creationId xmlns:a16="http://schemas.microsoft.com/office/drawing/2014/main" id="{60EB5854-2749-1D4B-92D3-D5970F54624F}"/>
-                  </a:ext>
-                </a:extLst>
-              </p:cNvPr>
-              <p:cNvSpPr txBox="1">
-                <a:spLocks noRot="1" noChangeAspect="1" noMove="1" noResize="1" noEditPoints="1" noAdjustHandles="1" noChangeArrowheads="1" noChangeShapeType="1" noTextEdit="1"/>
-              </p:cNvSpPr>
-              <p:nvPr/>
-            </p:nvSpPr>
-            <p:spPr>
-              <a:xfrm>
-                <a:off x="7272157" y="5165431"/>
-                <a:ext cx="3654408" cy="581057"/>
-              </a:xfrm>
-              <a:prstGeom prst="rect">
-                <a:avLst/>
-              </a:prstGeom>
-              <a:blipFill>
-                <a:blip r:embed="rId5"/>
-                <a:stretch>
-                  <a:fillRect l="-692" t="-2128" b="-10638"/>
-                </a:stretch>
-              </a:blipFill>
-            </p:spPr>
-            <p:txBody>
-              <a:bodyPr/>
-              <a:lstStyle/>
-              <a:p>
-                <a:r>
-                  <a:rPr lang="en-US">
-                    <a:noFill/>
-                  </a:rPr>
-                  <a:t> </a:t>
-                </a:r>
-              </a:p>
-            </p:txBody>
-          </p:sp>
-        </mc:Fallback>
-      </mc:AlternateContent>
-      <mc:AlternateContent xmlns:mc="http://schemas.openxmlformats.org/markup-compatibility/2006">
-        <mc:Choice xmlns:a14="http://schemas.microsoft.com/office/drawing/2010/main" Requires="a14">
-          <p:sp>
-            <p:nvSpPr>
-              <p:cNvPr id="76" name="TextBox 75">
-                <a:extLst>
-                  <a:ext uri="{FF2B5EF4-FFF2-40B4-BE49-F238E27FC236}">
-                    <a16:creationId xmlns:a16="http://schemas.microsoft.com/office/drawing/2014/main" id="{B5C39D51-0553-B44B-AD45-04AAC7FCCF19}"/>
-                  </a:ext>
-                </a:extLst>
-              </p:cNvPr>
-              <p:cNvSpPr txBox="1"/>
-              <p:nvPr/>
-            </p:nvSpPr>
-            <p:spPr>
-              <a:xfrm>
-                <a:off x="3166210" y="5333435"/>
-                <a:ext cx="3668325" cy="581057"/>
-              </a:xfrm>
-              <a:prstGeom prst="rect">
-                <a:avLst/>
-              </a:prstGeom>
-              <a:solidFill>
-                <a:schemeClr val="bg1">
-                  <a:alpha val="65000"/>
-                </a:schemeClr>
-              </a:solidFill>
-            </p:spPr>
-            <p:txBody>
-              <a:bodyPr wrap="square" rtlCol="0">
-                <a:spAutoFit/>
-              </a:bodyPr>
-              <a:lstStyle/>
-              <a:p>
-                <a:r>
-                  <a:rPr lang="en-US" sz="1588" dirty="0" err="1">
-                    <a:ea typeface="Cambria Math" panose="02040503050406030204" pitchFamily="18" charset="0"/>
-                  </a:rPr>
-                  <a:t>outSB</a:t>
-                </a:r>
-                <a14:m>
-                  <m:oMath xmlns:m="http://schemas.openxmlformats.org/officeDocument/2006/math">
-                    <m:r>
-                      <a:rPr lang="en-US" sz="1588" b="1" i="1">
-                        <a:latin typeface="Cambria Math" panose="02040503050406030204" pitchFamily="18" charset="0"/>
-                        <a:ea typeface="Cambria Math" panose="02040503050406030204" pitchFamily="18" charset="0"/>
-                      </a:rPr>
-                      <m:t>: </m:t>
-                    </m:r>
-                  </m:oMath>
-                </a14:m>
-                <a:r>
-                  <a:rPr lang="en-US" sz="1588" dirty="0"/>
-                  <a:t>fraction of seedbank seeds that leave the seedbank;</a:t>
-                </a:r>
-                <a:r>
-                  <a:rPr lang="en-US" sz="1588" b="1" i="1" dirty="0"/>
-                  <a:t> </a:t>
-                </a:r>
-                <a:r>
-                  <a:rPr lang="en-US" sz="1588" dirty="0"/>
-                  <a:t>(</a:t>
-                </a:r>
-                <a:r>
-                  <a:rPr lang="en-US" sz="1588" dirty="0" err="1"/>
-                  <a:t>germ.rt</a:t>
-                </a:r>
-                <a:r>
-                  <a:rPr lang="en-US" sz="1588" dirty="0"/>
-                  <a:t> *(1-death.rt)</a:t>
-                </a:r>
-              </a:p>
-            </p:txBody>
-          </p:sp>
-        </mc:Choice>
-        <mc:Fallback>
-          <p:sp>
-            <p:nvSpPr>
-              <p:cNvPr id="76" name="TextBox 75">
-                <a:extLst>
-                  <a:ext uri="{FF2B5EF4-FFF2-40B4-BE49-F238E27FC236}">
-                    <a16:creationId xmlns:a16="http://schemas.microsoft.com/office/drawing/2014/main" id="{B5C39D51-0553-B44B-AD45-04AAC7FCCF19}"/>
-                  </a:ext>
-                </a:extLst>
-              </p:cNvPr>
-              <p:cNvSpPr txBox="1">
-                <a:spLocks noRot="1" noChangeAspect="1" noMove="1" noResize="1" noEditPoints="1" noAdjustHandles="1" noChangeArrowheads="1" noChangeShapeType="1" noTextEdit="1"/>
-              </p:cNvSpPr>
-              <p:nvPr/>
-            </p:nvSpPr>
-            <p:spPr>
-              <a:xfrm>
-                <a:off x="3166210" y="5333435"/>
-                <a:ext cx="3668325" cy="581057"/>
-              </a:xfrm>
-              <a:prstGeom prst="rect">
-                <a:avLst/>
-              </a:prstGeom>
-              <a:blipFill>
-                <a:blip r:embed="rId6"/>
-                <a:stretch>
-                  <a:fillRect l="-1034" t="-4348" b="-13043"/>
-                </a:stretch>
-              </a:blipFill>
-            </p:spPr>
-            <p:txBody>
-              <a:bodyPr/>
-              <a:lstStyle/>
-              <a:p>
-                <a:r>
-                  <a:rPr lang="en-US">
-                    <a:noFill/>
-                  </a:rPr>
-                  <a:t> </a:t>
-                </a:r>
-              </a:p>
-            </p:txBody>
-          </p:sp>
-        </mc:Fallback>
-      </mc:AlternateContent>
+      <p:sp>
+        <p:nvSpPr>
+          <p:cNvPr id="64" name="TextBox 63">
+            <a:extLst>
+              <a:ext uri="{FF2B5EF4-FFF2-40B4-BE49-F238E27FC236}">
+                <a16:creationId xmlns:a16="http://schemas.microsoft.com/office/drawing/2014/main" id="{60EB5854-2749-1D4B-92D3-D5970F54624F}"/>
+              </a:ext>
+            </a:extLst>
+          </p:cNvPr>
+          <p:cNvSpPr txBox="1"/>
+          <p:nvPr/>
+        </p:nvSpPr>
+        <p:spPr>
+          <a:xfrm>
+            <a:off x="8540053" y="5008187"/>
+            <a:ext cx="674519" cy="369332"/>
+          </a:xfrm>
+          <a:prstGeom prst="rect">
+            <a:avLst/>
+          </a:prstGeom>
+          <a:solidFill>
+            <a:schemeClr val="bg1">
+              <a:alpha val="65000"/>
+            </a:schemeClr>
+          </a:solidFill>
+        </p:spPr>
+        <p:txBody>
+          <a:bodyPr wrap="square" rtlCol="0">
+            <a:spAutoFit/>
+          </a:bodyPr>
+          <a:lstStyle/>
+          <a:p>
+            <a:r>
+              <a:rPr lang="en-US" dirty="0" err="1">
+                <a:ea typeface="Cambria Math" panose="02040503050406030204" pitchFamily="18" charset="0"/>
+              </a:rPr>
+              <a:t>goSB</a:t>
+            </a:r>
+            <a:endParaRPr lang="en-US" dirty="0"/>
+          </a:p>
+        </p:txBody>
+      </p:sp>
+      <p:sp>
+        <p:nvSpPr>
+          <p:cNvPr id="76" name="TextBox 75">
+            <a:extLst>
+              <a:ext uri="{FF2B5EF4-FFF2-40B4-BE49-F238E27FC236}">
+                <a16:creationId xmlns:a16="http://schemas.microsoft.com/office/drawing/2014/main" id="{B5C39D51-0553-B44B-AD45-04AAC7FCCF19}"/>
+              </a:ext>
+            </a:extLst>
+          </p:cNvPr>
+          <p:cNvSpPr txBox="1"/>
+          <p:nvPr/>
+        </p:nvSpPr>
+        <p:spPr>
+          <a:xfrm>
+            <a:off x="3863559" y="5304490"/>
+            <a:ext cx="770161" cy="369332"/>
+          </a:xfrm>
+          <a:prstGeom prst="rect">
+            <a:avLst/>
+          </a:prstGeom>
+          <a:solidFill>
+            <a:schemeClr val="bg1">
+              <a:alpha val="65000"/>
+            </a:schemeClr>
+          </a:solidFill>
+        </p:spPr>
+        <p:txBody>
+          <a:bodyPr wrap="square" rtlCol="0">
+            <a:spAutoFit/>
+          </a:bodyPr>
+          <a:lstStyle/>
+          <a:p>
+            <a:r>
+              <a:rPr lang="en-US" dirty="0" err="1">
+                <a:ea typeface="Cambria Math" panose="02040503050406030204" pitchFamily="18" charset="0"/>
+              </a:rPr>
+              <a:t>outSB</a:t>
+            </a:r>
+            <a:endParaRPr lang="en-US" dirty="0"/>
+          </a:p>
+        </p:txBody>
+      </p:sp>
       <p:cxnSp>
         <p:nvCxnSpPr>
           <p:cNvPr id="51" name="Straight Arrow Connector 50">
@@ -4767,8 +4497,8 @@
         </p:nvSpPr>
         <p:spPr>
           <a:xfrm>
-            <a:off x="8609728" y="3102910"/>
-            <a:ext cx="2535543" cy="825419"/>
+            <a:off x="8445593" y="3235127"/>
+            <a:ext cx="815111" cy="369332"/>
           </a:xfrm>
           <a:prstGeom prst="rect">
             <a:avLst/>
@@ -4786,30 +4516,18 @@
           <a:lstStyle/>
           <a:p>
             <a:r>
-              <a:rPr lang="en-US" sz="1588" b="1" dirty="0"/>
+              <a:rPr lang="en-US" b="1" dirty="0"/>
               <a:t>c</a:t>
             </a:r>
             <a:r>
-              <a:rPr lang="en-US" sz="1588" b="1" baseline="-25000" dirty="0"/>
+              <a:rPr lang="en-US" b="1" baseline="-25000" dirty="0"/>
               <a:t>0</a:t>
             </a:r>
             <a:r>
-              <a:rPr lang="en-US" sz="1588" b="1" dirty="0"/>
+              <a:rPr lang="en-US" b="1" dirty="0"/>
               <a:t>(z’)</a:t>
             </a:r>
-            <a:r>
-              <a:rPr lang="en-US" sz="1588" dirty="0"/>
-              <a:t>: size distribution of seedlings in</a:t>
-            </a:r>
-            <a:r>
-              <a:rPr lang="en-US" sz="1588" i="1" dirty="0"/>
-              <a:t> t+1</a:t>
-            </a:r>
-            <a:r>
-              <a:rPr lang="en-US" sz="1588" dirty="0"/>
-              <a:t>;       approximated by U(0.1,3)</a:t>
-            </a:r>
-            <a:endParaRPr lang="en-US" sz="1588" i="1" dirty="0"/>
+            <a:endParaRPr lang="en-US" i="1" dirty="0"/>
           </a:p>
         </p:txBody>
       </p:sp>
@@ -4827,8 +4545,8 @@
         </p:nvSpPr>
         <p:spPr>
           <a:xfrm>
-            <a:off x="6056192" y="3572204"/>
-            <a:ext cx="2684438" cy="825419"/>
+            <a:off x="6812457" y="3903884"/>
+            <a:ext cx="914325" cy="369332"/>
           </a:xfrm>
           <a:prstGeom prst="rect">
             <a:avLst/>
@@ -4846,46 +4564,10 @@
           <a:lstStyle/>
           <a:p>
             <a:r>
-              <a:rPr lang="en-US" sz="1588" dirty="0" err="1"/>
+              <a:rPr lang="en-US" dirty="0" err="1"/>
               <a:t>goCont</a:t>
             </a:r>
-            <a:r>
-              <a:rPr lang="en-US" sz="1588" dirty="0"/>
-              <a:t>: probability of a seed produced in </a:t>
-            </a:r>
-            <a:r>
-              <a:rPr lang="en-US" sz="1588" i="1" dirty="0"/>
-              <a:t>t</a:t>
-            </a:r>
-            <a:r>
-              <a:rPr lang="en-US" sz="1588" dirty="0"/>
-              <a:t> germinating in </a:t>
-            </a:r>
-            <a:r>
-              <a:rPr lang="en-US" sz="1588" i="1" dirty="0"/>
-              <a:t>t</a:t>
-            </a:r>
-            <a:r>
-              <a:rPr lang="en-US" sz="1588" dirty="0"/>
-              <a:t>+1; (</a:t>
-            </a:r>
-            <a:r>
-              <a:rPr lang="en-US" sz="1588" dirty="0" err="1"/>
-              <a:t>viab.rt</a:t>
-            </a:r>
-            <a:r>
-              <a:rPr lang="en-US" sz="1588" dirty="0"/>
-              <a:t> * </a:t>
-            </a:r>
-            <a:r>
-              <a:rPr lang="en-US" sz="1588" dirty="0" err="1"/>
-              <a:t>germ.rt</a:t>
-            </a:r>
-            <a:r>
-              <a:rPr lang="en-US" sz="1588" dirty="0"/>
-              <a:t>)</a:t>
-            </a:r>
-            <a:endParaRPr lang="en-US" sz="1588" i="1" dirty="0"/>
+            <a:endParaRPr lang="en-US" i="1" dirty="0"/>
           </a:p>
         </p:txBody>
       </p:sp>
@@ -4905,8 +4587,8 @@
         </p:nvCxnSpPr>
         <p:spPr>
           <a:xfrm>
-            <a:off x="3469454" y="4489104"/>
-            <a:ext cx="2416281" cy="36484"/>
+            <a:off x="3897858" y="4525588"/>
+            <a:ext cx="1987877" cy="0"/>
           </a:xfrm>
           <a:prstGeom prst="straightConnector1">
             <a:avLst/>
@@ -4950,8 +4632,8 @@
         </p:nvSpPr>
         <p:spPr>
           <a:xfrm>
-            <a:off x="3745741" y="3832255"/>
-            <a:ext cx="1614746" cy="825419"/>
+            <a:off x="4202876" y="4272639"/>
+            <a:ext cx="554797" cy="369332"/>
           </a:xfrm>
           <a:prstGeom prst="rect">
             <a:avLst/>
@@ -4969,22 +4651,10 @@
           <a:lstStyle/>
           <a:p>
             <a:r>
-              <a:rPr lang="en-US" sz="1588" b="1" dirty="0"/>
-              <a:t>b(z): </a:t>
-            </a:r>
-            <a:r>
-              <a:rPr lang="en-US" sz="1588" dirty="0"/>
-              <a:t>number of seeds produced according to </a:t>
-            </a:r>
-            <a:r>
-              <a:rPr lang="en-US" sz="1588" dirty="0" err="1"/>
-              <a:t>size</a:t>
-            </a:r>
-            <a:r>
-              <a:rPr lang="en-US" sz="1588" i="1" baseline="-25000" dirty="0" err="1"/>
-              <a:t>t</a:t>
-            </a:r>
-            <a:endParaRPr lang="en-US" sz="1588" dirty="0"/>
+              <a:rPr lang="en-US" b="1" dirty="0"/>
+              <a:t>b(z)</a:t>
+            </a:r>
+            <a:endParaRPr lang="en-US" dirty="0"/>
           </a:p>
         </p:txBody>
       </p:sp>
@@ -5185,7 +4855,7 @@
         </p:blipFill>
         <p:spPr>
           <a:xfrm>
-            <a:off x="1689443" y="5651157"/>
+            <a:off x="1666850" y="5275711"/>
             <a:ext cx="357397" cy="439185"/>
           </a:xfrm>
           <a:prstGeom prst="rect">
@@ -5214,7 +4884,7 @@
         </p:blipFill>
         <p:spPr>
           <a:xfrm>
-            <a:off x="9591631" y="5778330"/>
+            <a:off x="9770987" y="5336954"/>
             <a:ext cx="357397" cy="439185"/>
           </a:xfrm>
           <a:prstGeom prst="rect">
